--- a/data_map.pptx
+++ b/data_map.pptx
@@ -690,7 +690,7 @@
   <p:cSld>
     <p:spTree>
       <p:nvGrpSpPr>
-        <p:cNvPr id="49" name="Shape 49"/>
+        <p:cNvPr id="47" name="Shape 47"/>
         <p:cNvGrpSpPr/>
         <p:nvPr/>
       </p:nvGrpSpPr>
@@ -704,7 +704,7 @@
       </p:grpSpPr>
       <p:sp>
         <p:nvSpPr>
-          <p:cNvPr id="50" name="Google Shape;50;g2b668992c3_0_0:notes"/>
+          <p:cNvPr id="48" name="Google Shape;48;g2b668992c3_0_0:notes"/>
           <p:cNvSpPr/>
           <p:nvPr>
             <p:ph idx="2" type="sldImg"/>
@@ -743,7 +743,7 @@
       </p:sp>
       <p:sp>
         <p:nvSpPr>
-          <p:cNvPr id="51" name="Google Shape;51;g2b668992c3_0_0:notes"/>
+          <p:cNvPr id="49" name="Google Shape;49;g2b668992c3_0_0:notes"/>
           <p:cNvSpPr txBox="1"/>
           <p:nvPr>
             <p:ph idx="1" type="body"/>
@@ -2946,117 +2946,6 @@
           <a:chExt cx="0" cy="0"/>
         </a:xfrm>
       </p:grpSpPr>
-      <p:sp>
-        <p:nvSpPr>
-          <p:cNvPr id="46" name="Google Shape;46;p10"/>
-          <p:cNvSpPr txBox="1"/>
-          <p:nvPr/>
-        </p:nvSpPr>
-        <p:spPr>
-          <a:xfrm>
-            <a:off x="0" y="6172200"/>
-            <a:ext cx="9144000" cy="686100"/>
-          </a:xfrm>
-          <a:prstGeom prst="rect">
-            <a:avLst/>
-          </a:prstGeom>
-          <a:solidFill>
-            <a:srgbClr val="2E89CA"/>
-          </a:solidFill>
-          <a:ln>
-            <a:noFill/>
-          </a:ln>
-        </p:spPr>
-        <p:txBody>
-          <a:bodyPr anchorCtr="0" anchor="ctr" bIns="22850" lIns="22850" spcFirstLastPara="1" rIns="22850" wrap="square" tIns="22850">
-            <a:noAutofit/>
-          </a:bodyPr>
-          <a:lstStyle/>
-          <a:p>
-            <a:pPr indent="0" lvl="0" marL="25400" marR="0" rtl="0" algn="ctr">
-              <a:lnSpc>
-                <a:spcPct val="100000"/>
-              </a:lnSpc>
-              <a:spcBef>
-                <a:spcPts val="0"/>
-              </a:spcBef>
-              <a:spcAft>
-                <a:spcPts val="0"/>
-              </a:spcAft>
-              <a:buNone/>
-            </a:pPr>
-            <a:r>
-              <a:t/>
-            </a:r>
-            <a:endParaRPr b="0" i="0" sz="3100" u="none">
-              <a:solidFill>
-                <a:srgbClr val="000000"/>
-              </a:solidFill>
-              <a:latin typeface="Cabin"/>
-              <a:ea typeface="Cabin"/>
-              <a:cs typeface="Cabin"/>
-              <a:sym typeface="Cabin"/>
-            </a:endParaRPr>
-          </a:p>
-        </p:txBody>
-      </p:sp>
-      <p:sp>
-        <p:nvSpPr>
-          <p:cNvPr id="47" name="Google Shape;47;p10"/>
-          <p:cNvSpPr txBox="1"/>
-          <p:nvPr/>
-        </p:nvSpPr>
-        <p:spPr>
-          <a:xfrm>
-            <a:off x="5909310" y="6294120"/>
-            <a:ext cx="2720400" cy="381300"/>
-          </a:xfrm>
-          <a:prstGeom prst="rect">
-            <a:avLst/>
-          </a:prstGeom>
-          <a:noFill/>
-          <a:ln>
-            <a:noFill/>
-          </a:ln>
-        </p:spPr>
-        <p:txBody>
-          <a:bodyPr anchorCtr="0" anchor="ctr" bIns="0" lIns="0" spcFirstLastPara="1" rIns="0" wrap="square" tIns="0">
-            <a:noAutofit/>
-          </a:bodyPr>
-          <a:lstStyle/>
-          <a:p>
-            <a:pPr indent="0" lvl="0" marL="0" marR="0" rtl="0" algn="r">
-              <a:lnSpc>
-                <a:spcPct val="100000"/>
-              </a:lnSpc>
-              <a:spcBef>
-                <a:spcPts val="0"/>
-              </a:spcBef>
-              <a:spcAft>
-                <a:spcPts val="0"/>
-              </a:spcAft>
-              <a:buClr>
-                <a:srgbClr val="FFFFFF"/>
-              </a:buClr>
-              <a:buFont typeface="Helvetica Neue"/>
-              <a:buNone/>
-            </a:pPr>
-            <a:r>
-              <a:rPr b="0" i="0" lang="en-GB" sz="1900" u="none">
-                <a:solidFill>
-                  <a:srgbClr val="FFFFFF"/>
-                </a:solidFill>
-                <a:latin typeface="Helvetica Neue"/>
-                <a:ea typeface="Helvetica Neue"/>
-                <a:cs typeface="Helvetica Neue"/>
-                <a:sym typeface="Helvetica Neue"/>
-              </a:rPr>
-              <a:t>GDS</a:t>
-            </a:r>
-            <a:endParaRPr sz="600"/>
-          </a:p>
-        </p:txBody>
-      </p:sp>
     </p:spTree>
   </p:cSld>
   <p:clrMapOvr>
@@ -3070,7 +2959,7 @@
   <p:cSld name="CUSTOM_1_1">
     <p:spTree>
       <p:nvGrpSpPr>
-        <p:cNvPr id="48" name="Shape 48"/>
+        <p:cNvPr id="46" name="Shape 46"/>
         <p:cNvGrpSpPr/>
         <p:nvPr/>
       </p:nvGrpSpPr>
@@ -4999,7 +4888,7 @@
     </p:bg>
     <p:spTree>
       <p:nvGrpSpPr>
-        <p:cNvPr id="52" name="Shape 52"/>
+        <p:cNvPr id="50" name="Shape 50"/>
         <p:cNvGrpSpPr/>
         <p:nvPr/>
       </p:nvGrpSpPr>
@@ -5013,125 +4902,14 @@
       </p:grpSpPr>
       <p:sp>
         <p:nvSpPr>
-          <p:cNvPr id="53" name="Google Shape;53;p12"/>
-          <p:cNvSpPr txBox="1"/>
-          <p:nvPr/>
-        </p:nvSpPr>
-        <p:spPr>
-          <a:xfrm>
-            <a:off x="0" y="6172200"/>
-            <a:ext cx="9144000" cy="686100"/>
-          </a:xfrm>
-          <a:prstGeom prst="rect">
-            <a:avLst/>
-          </a:prstGeom>
-          <a:solidFill>
-            <a:srgbClr val="2E89CA"/>
-          </a:solidFill>
-          <a:ln>
-            <a:noFill/>
-          </a:ln>
-        </p:spPr>
-        <p:txBody>
-          <a:bodyPr anchorCtr="0" anchor="ctr" bIns="22850" lIns="22850" spcFirstLastPara="1" rIns="22850" wrap="square" tIns="22850">
-            <a:noAutofit/>
-          </a:bodyPr>
-          <a:lstStyle/>
-          <a:p>
-            <a:pPr indent="0" lvl="0" marL="25400" marR="0" rtl="0" algn="l">
-              <a:lnSpc>
-                <a:spcPct val="100000"/>
-              </a:lnSpc>
-              <a:spcBef>
-                <a:spcPts val="0"/>
-              </a:spcBef>
-              <a:spcAft>
-                <a:spcPts val="0"/>
-              </a:spcAft>
-              <a:buNone/>
-            </a:pPr>
-            <a:r>
-              <a:t/>
-            </a:r>
-            <a:endParaRPr b="0" i="0" sz="1900" u="none">
-              <a:solidFill>
-                <a:srgbClr val="FFFFFF"/>
-              </a:solidFill>
-              <a:latin typeface="Cabin"/>
-              <a:ea typeface="Cabin"/>
-              <a:cs typeface="Cabin"/>
-              <a:sym typeface="Cabin"/>
-            </a:endParaRPr>
-          </a:p>
-        </p:txBody>
-      </p:sp>
-      <p:sp>
-        <p:nvSpPr>
-          <p:cNvPr id="54" name="Google Shape;54;p12"/>
-          <p:cNvSpPr txBox="1"/>
-          <p:nvPr/>
-        </p:nvSpPr>
-        <p:spPr>
-          <a:xfrm>
-            <a:off x="5909310" y="6294120"/>
-            <a:ext cx="2720400" cy="381300"/>
-          </a:xfrm>
-          <a:prstGeom prst="rect">
-            <a:avLst/>
-          </a:prstGeom>
-          <a:noFill/>
-          <a:ln>
-            <a:noFill/>
-          </a:ln>
-        </p:spPr>
-        <p:txBody>
-          <a:bodyPr anchorCtr="0" anchor="ctr" bIns="0" lIns="0" spcFirstLastPara="1" rIns="0" wrap="square" tIns="0">
-            <a:noAutofit/>
-          </a:bodyPr>
-          <a:lstStyle/>
-          <a:p>
-            <a:pPr indent="0" lvl="0" marL="0" marR="0" rtl="0" algn="r">
-              <a:lnSpc>
-                <a:spcPct val="100000"/>
-              </a:lnSpc>
-              <a:spcBef>
-                <a:spcPts val="0"/>
-              </a:spcBef>
-              <a:spcAft>
-                <a:spcPts val="0"/>
-              </a:spcAft>
-              <a:buClr>
-                <a:srgbClr val="FFFFFF"/>
-              </a:buClr>
-              <a:buFont typeface="Helvetica Neue"/>
-              <a:buNone/>
-            </a:pPr>
-            <a:r>
-              <a:rPr b="0" i="0" lang="en-GB" sz="1900" u="none">
-                <a:solidFill>
-                  <a:srgbClr val="FFFFFF"/>
-                </a:solidFill>
-                <a:latin typeface="Helvetica Neue"/>
-                <a:ea typeface="Helvetica Neue"/>
-                <a:cs typeface="Helvetica Neue"/>
-                <a:sym typeface="Helvetica Neue"/>
-              </a:rPr>
-              <a:t>GDS</a:t>
-            </a:r>
-            <a:endParaRPr sz="600"/>
-          </a:p>
-        </p:txBody>
-      </p:sp>
-      <p:sp>
-        <p:nvSpPr>
-          <p:cNvPr id="55" name="Google Shape;55;p12"/>
+          <p:cNvPr id="51" name="Google Shape;51;p12"/>
           <p:cNvSpPr/>
           <p:nvPr/>
         </p:nvSpPr>
         <p:spPr>
           <a:xfrm>
-            <a:off x="166875" y="710150"/>
-            <a:ext cx="1248600" cy="2393400"/>
+            <a:off x="198975" y="1129850"/>
+            <a:ext cx="1470000" cy="875700"/>
           </a:xfrm>
           <a:prstGeom prst="rect">
             <a:avLst/>
@@ -5164,7 +4942,7 @@
                   <a:schemeClr val="lt1"/>
                 </a:solidFill>
               </a:rPr>
-              <a:t>RAW CONTENT</a:t>
+              <a:t>content.json.gz</a:t>
             </a:r>
             <a:endParaRPr>
               <a:solidFill>
@@ -5176,14 +4954,14 @@
       </p:sp>
       <p:sp>
         <p:nvSpPr>
-          <p:cNvPr id="56" name="Google Shape;56;p12"/>
+          <p:cNvPr id="52" name="Google Shape;52;p12"/>
           <p:cNvSpPr/>
           <p:nvPr/>
         </p:nvSpPr>
         <p:spPr>
           <a:xfrm>
-            <a:off x="166875" y="4710875"/>
-            <a:ext cx="1248600" cy="750300"/>
+            <a:off x="198975" y="4441126"/>
+            <a:ext cx="1470000" cy="875100"/>
           </a:xfrm>
           <a:prstGeom prst="rect">
             <a:avLst/>
@@ -5219,7 +4997,7 @@
                   <a:schemeClr val="lt1"/>
                 </a:solidFill>
               </a:rPr>
-              <a:t>RAW TAXON</a:t>
+              <a:t>taxon.json.gz</a:t>
             </a:r>
             <a:endParaRPr>
               <a:solidFill>
@@ -5231,14 +5009,14 @@
       </p:sp>
       <p:sp>
         <p:nvSpPr>
-          <p:cNvPr id="57" name="Google Shape;57;p12"/>
+          <p:cNvPr id="53" name="Google Shape;53;p12"/>
           <p:cNvSpPr/>
           <p:nvPr/>
         </p:nvSpPr>
         <p:spPr>
           <a:xfrm>
-            <a:off x="2577175" y="2353350"/>
-            <a:ext cx="1359900" cy="750300"/>
+            <a:off x="3090169" y="1183284"/>
+            <a:ext cx="1470000" cy="875100"/>
           </a:xfrm>
           <a:prstGeom prst="rect">
             <a:avLst/>
@@ -5283,14 +5061,14 @@
       </p:sp>
       <p:sp>
         <p:nvSpPr>
-          <p:cNvPr id="58" name="Google Shape;58;p12"/>
+          <p:cNvPr id="54" name="Google Shape;54;p12"/>
           <p:cNvSpPr/>
           <p:nvPr/>
         </p:nvSpPr>
         <p:spPr>
-          <a:xfrm>
-            <a:off x="4703850" y="2945250"/>
-            <a:ext cx="336600" cy="1765500"/>
+          <a:xfrm rot="-5400000">
+            <a:off x="4527997" y="3347338"/>
+            <a:ext cx="1772400" cy="366000"/>
           </a:xfrm>
           <a:prstGeom prst="rect">
             <a:avLst/>
@@ -5331,14 +5109,14 @@
       </p:sp>
       <p:sp>
         <p:nvSpPr>
-          <p:cNvPr id="59" name="Google Shape;59;p12"/>
+          <p:cNvPr id="55" name="Google Shape;55;p12"/>
           <p:cNvSpPr/>
           <p:nvPr/>
         </p:nvSpPr>
         <p:spPr>
           <a:xfrm>
-            <a:off x="4702400" y="4682800"/>
-            <a:ext cx="1205400" cy="750300"/>
+            <a:off x="5223291" y="4412359"/>
+            <a:ext cx="1303200" cy="768900"/>
           </a:xfrm>
           <a:prstGeom prst="rect">
             <a:avLst/>
@@ -5388,14 +5166,14 @@
       </p:sp>
       <p:sp>
         <p:nvSpPr>
-          <p:cNvPr id="60" name="Google Shape;60;p12"/>
+          <p:cNvPr id="56" name="Google Shape;56;p12"/>
           <p:cNvSpPr/>
           <p:nvPr/>
         </p:nvSpPr>
         <p:spPr>
           <a:xfrm>
-            <a:off x="4702400" y="2353350"/>
-            <a:ext cx="1205400" cy="591900"/>
+            <a:off x="5223291" y="2025323"/>
+            <a:ext cx="1303200" cy="606600"/>
           </a:xfrm>
           <a:prstGeom prst="rect">
             <a:avLst/>
@@ -5431,7 +5209,7 @@
                   <a:schemeClr val="lt1"/>
                 </a:solidFill>
               </a:rPr>
-              <a:t>OLD TAXONS</a:t>
+              <a:t>UNTAGGED</a:t>
             </a:r>
             <a:endParaRPr>
               <a:solidFill>
@@ -5443,162 +5221,14 @@
       </p:sp>
       <p:sp>
         <p:nvSpPr>
-          <p:cNvPr id="61" name="Google Shape;61;p12"/>
+          <p:cNvPr id="57" name="Google Shape;57;p12"/>
           <p:cNvSpPr/>
           <p:nvPr/>
         </p:nvSpPr>
         <p:spPr>
           <a:xfrm>
-            <a:off x="7305500" y="647125"/>
-            <a:ext cx="1205400" cy="2235000"/>
-          </a:xfrm>
-          <a:prstGeom prst="rect">
-            <a:avLst/>
-          </a:prstGeom>
-          <a:solidFill>
-            <a:srgbClr val="F4CCCC"/>
-          </a:solidFill>
-          <a:ln>
-            <a:noFill/>
-          </a:ln>
-        </p:spPr>
-        <p:txBody>
-          <a:bodyPr anchorCtr="0" anchor="ctr" bIns="91425" lIns="91425" spcFirstLastPara="1" rIns="91425" wrap="square" tIns="91425">
-            <a:noAutofit/>
-          </a:bodyPr>
-          <a:lstStyle/>
-          <a:p>
-            <a:pPr indent="0" lvl="0" marL="0" rtl="0" algn="ctr">
-              <a:spcBef>
-                <a:spcPts val="0"/>
-              </a:spcBef>
-              <a:spcAft>
-                <a:spcPts val="0"/>
-              </a:spcAft>
-              <a:buNone/>
-            </a:pPr>
-            <a:r>
-              <a:rPr lang="en-GB"/>
-              <a:t>NEW DATA</a:t>
-            </a:r>
-            <a:endParaRPr/>
-          </a:p>
-        </p:txBody>
-      </p:sp>
-      <p:sp>
-        <p:nvSpPr>
-          <p:cNvPr id="62" name="Google Shape;62;p12"/>
-          <p:cNvSpPr/>
-          <p:nvPr/>
-        </p:nvSpPr>
-        <p:spPr>
-          <a:xfrm>
-            <a:off x="7305500" y="3527325"/>
-            <a:ext cx="1205400" cy="587100"/>
-          </a:xfrm>
-          <a:prstGeom prst="rect">
-            <a:avLst/>
-          </a:prstGeom>
-          <a:solidFill>
-            <a:schemeClr val="lt2"/>
-          </a:solidFill>
-          <a:ln>
-            <a:noFill/>
-          </a:ln>
-        </p:spPr>
-        <p:txBody>
-          <a:bodyPr anchorCtr="0" anchor="ctr" bIns="91425" lIns="91425" spcFirstLastPara="1" rIns="91425" wrap="square" tIns="91425">
-            <a:noAutofit/>
-          </a:bodyPr>
-          <a:lstStyle/>
-          <a:p>
-            <a:pPr indent="0" lvl="0" marL="0" rtl="0" algn="ctr">
-              <a:spcBef>
-                <a:spcPts val="0"/>
-              </a:spcBef>
-              <a:spcAft>
-                <a:spcPts val="0"/>
-              </a:spcAft>
-              <a:buNone/>
-            </a:pPr>
-            <a:r>
-              <a:rPr lang="en-GB">
-                <a:solidFill>
-                  <a:schemeClr val="accent2"/>
-                </a:solidFill>
-              </a:rPr>
-              <a:t>FILTERED</a:t>
-            </a:r>
-            <a:endParaRPr i="1">
-              <a:solidFill>
-                <a:schemeClr val="accent2"/>
-              </a:solidFill>
-            </a:endParaRPr>
-          </a:p>
-        </p:txBody>
-      </p:sp>
-      <p:sp>
-        <p:nvSpPr>
-          <p:cNvPr id="63" name="Google Shape;63;p12"/>
-          <p:cNvSpPr/>
-          <p:nvPr/>
-        </p:nvSpPr>
-        <p:spPr>
-          <a:xfrm>
-            <a:off x="2577175" y="710150"/>
-            <a:ext cx="1359900" cy="750300"/>
-          </a:xfrm>
-          <a:prstGeom prst="rect">
-            <a:avLst/>
-          </a:prstGeom>
-          <a:solidFill>
-            <a:srgbClr val="990000"/>
-          </a:solidFill>
-          <a:ln>
-            <a:noFill/>
-          </a:ln>
-        </p:spPr>
-        <p:txBody>
-          <a:bodyPr anchorCtr="0" anchor="ctr" bIns="91425" lIns="91425" spcFirstLastPara="1" rIns="91425" wrap="square" tIns="91425">
-            <a:noAutofit/>
-          </a:bodyPr>
-          <a:lstStyle/>
-          <a:p>
-            <a:pPr indent="0" lvl="0" marL="0" rtl="0" algn="ctr">
-              <a:spcBef>
-                <a:spcPts val="0"/>
-              </a:spcBef>
-              <a:spcAft>
-                <a:spcPts val="0"/>
-              </a:spcAft>
-              <a:buNone/>
-            </a:pPr>
-            <a:r>
-              <a:rPr lang="en-GB">
-                <a:solidFill>
-                  <a:schemeClr val="lt1"/>
-                </a:solidFill>
-              </a:rPr>
-              <a:t>UNTAGGED CONTENT</a:t>
-            </a:r>
-            <a:endParaRPr i="1" sz="1000">
-              <a:solidFill>
-                <a:schemeClr val="lt1"/>
-              </a:solidFill>
-            </a:endParaRPr>
-          </a:p>
-        </p:txBody>
-      </p:sp>
-      <p:sp>
-        <p:nvSpPr>
-          <p:cNvPr id="64" name="Google Shape;64;p12"/>
-          <p:cNvSpPr/>
-          <p:nvPr/>
-        </p:nvSpPr>
-        <p:spPr>
-          <a:xfrm>
-            <a:off x="2577175" y="4710875"/>
-            <a:ext cx="1359900" cy="750300"/>
+            <a:off x="3090183" y="4441128"/>
+            <a:ext cx="1470000" cy="875100"/>
           </a:xfrm>
           <a:prstGeom prst="rect">
             <a:avLst/>
@@ -5643,14 +5273,14 @@
       </p:sp>
       <p:sp>
         <p:nvSpPr>
-          <p:cNvPr id="65" name="Google Shape;65;p12"/>
+          <p:cNvPr id="58" name="Google Shape;58;p12"/>
           <p:cNvSpPr/>
           <p:nvPr/>
         </p:nvSpPr>
         <p:spPr>
           <a:xfrm>
-            <a:off x="5040450" y="2945250"/>
-            <a:ext cx="867300" cy="882600"/>
+            <a:off x="5588806" y="2631855"/>
+            <a:ext cx="937800" cy="904500"/>
           </a:xfrm>
           <a:prstGeom prst="rect">
             <a:avLst/>
@@ -5695,14 +5325,14 @@
       </p:sp>
       <p:sp>
         <p:nvSpPr>
-          <p:cNvPr id="66" name="Google Shape;66;p12"/>
+          <p:cNvPr id="59" name="Google Shape;59;p12"/>
           <p:cNvSpPr/>
           <p:nvPr/>
         </p:nvSpPr>
         <p:spPr>
           <a:xfrm>
-            <a:off x="5040450" y="3828000"/>
-            <a:ext cx="867300" cy="854700"/>
+            <a:off x="5588806" y="3536428"/>
+            <a:ext cx="937800" cy="875700"/>
           </a:xfrm>
           <a:prstGeom prst="rect">
             <a:avLst/>
@@ -5745,74 +5375,16 @@
           </a:p>
         </p:txBody>
       </p:sp>
-      <p:cxnSp>
-        <p:nvCxnSpPr>
-          <p:cNvPr id="67" name="Google Shape;67;p12"/>
-          <p:cNvCxnSpPr>
-            <a:endCxn id="63" idx="1"/>
-          </p:cNvCxnSpPr>
-          <p:nvPr/>
-        </p:nvCxnSpPr>
-        <p:spPr>
-          <a:xfrm flipH="1" rot="10800000">
-            <a:off x="1415575" y="1085300"/>
-            <a:ext cx="1161600" cy="821700"/>
-          </a:xfrm>
-          <a:prstGeom prst="bentConnector3">
-            <a:avLst>
-              <a:gd fmla="val 93046" name="adj1"/>
-            </a:avLst>
-          </a:prstGeom>
-          <a:noFill/>
-          <a:ln cap="flat" cmpd="sng" w="9525">
-            <a:solidFill>
-              <a:schemeClr val="dk2"/>
-            </a:solidFill>
-            <a:prstDash val="solid"/>
-            <a:round/>
-            <a:headEnd len="med" w="med" type="none"/>
-            <a:tailEnd len="med" w="med" type="triangle"/>
-          </a:ln>
-        </p:spPr>
-      </p:cxnSp>
-      <p:cxnSp>
-        <p:nvCxnSpPr>
-          <p:cNvPr id="68" name="Google Shape;68;p12"/>
-          <p:cNvCxnSpPr/>
-          <p:nvPr/>
-        </p:nvCxnSpPr>
-        <p:spPr>
-          <a:xfrm>
-            <a:off x="1415575" y="1907000"/>
-            <a:ext cx="1161600" cy="821700"/>
-          </a:xfrm>
-          <a:prstGeom prst="bentConnector3">
-            <a:avLst>
-              <a:gd fmla="val 93046" name="adj1"/>
-            </a:avLst>
-          </a:prstGeom>
-          <a:noFill/>
-          <a:ln cap="flat" cmpd="sng" w="9525">
-            <a:solidFill>
-              <a:schemeClr val="dk2"/>
-            </a:solidFill>
-            <a:prstDash val="solid"/>
-            <a:round/>
-            <a:headEnd len="med" w="med" type="none"/>
-            <a:tailEnd len="med" w="med" type="triangle"/>
-          </a:ln>
-        </p:spPr>
-      </p:cxnSp>
       <p:sp>
         <p:nvSpPr>
-          <p:cNvPr id="69" name="Google Shape;69;p12"/>
+          <p:cNvPr id="60" name="Google Shape;60;p12"/>
           <p:cNvSpPr txBox="1"/>
           <p:nvPr/>
         </p:nvSpPr>
         <p:spPr>
           <a:xfrm>
-            <a:off x="1423375" y="1449800"/>
-            <a:ext cx="1061100" cy="478500"/>
+            <a:off x="1672950" y="1266275"/>
+            <a:ext cx="1303200" cy="318600"/>
           </a:xfrm>
           <a:prstGeom prst="rect">
             <a:avLst/>
@@ -5839,27 +5411,7 @@
             </a:pPr>
             <a:r>
               <a:rPr lang="en-GB" sz="1100"/>
-              <a:t>c</a:t>
-            </a:r>
-            <a:r>
-              <a:rPr lang="en-GB" sz="1100"/>
-              <a:t>lean_content</a:t>
-            </a:r>
-            <a:endParaRPr sz="1100"/>
-          </a:p>
-          <a:p>
-            <a:pPr indent="0" lvl="0" marL="0" rtl="0" algn="l">
-              <a:spcBef>
-                <a:spcPts val="0"/>
-              </a:spcBef>
-              <a:spcAft>
-                <a:spcPts val="0"/>
-              </a:spcAft>
-              <a:buNone/>
-            </a:pPr>
-            <a:r>
-              <a:rPr lang="en-GB" sz="1100"/>
-              <a:t>.py</a:t>
+              <a:t>clean_content.py</a:t>
             </a:r>
             <a:endParaRPr sz="1100"/>
           </a:p>
@@ -5867,16 +5419,17 @@
       </p:sp>
       <p:cxnSp>
         <p:nvCxnSpPr>
-          <p:cNvPr id="70" name="Google Shape;70;p12"/>
+          <p:cNvPr id="61" name="Google Shape;61;p12"/>
           <p:cNvCxnSpPr>
-            <a:endCxn id="64" idx="1"/>
+            <a:stCxn id="52" idx="3"/>
+            <a:endCxn id="57" idx="1"/>
           </p:cNvCxnSpPr>
           <p:nvPr/>
         </p:nvCxnSpPr>
         <p:spPr>
           <a:xfrm>
-            <a:off x="1415575" y="5086025"/>
-            <a:ext cx="1161600" cy="0"/>
+            <a:off x="1668975" y="4878676"/>
+            <a:ext cx="1421100" cy="0"/>
           </a:xfrm>
           <a:prstGeom prst="straightConnector1">
             <a:avLst/>
@@ -5895,14 +5448,14 @@
       </p:cxnSp>
       <p:sp>
         <p:nvSpPr>
-          <p:cNvPr id="71" name="Google Shape;71;p12"/>
+          <p:cNvPr id="62" name="Google Shape;62;p12"/>
           <p:cNvSpPr txBox="1"/>
           <p:nvPr/>
         </p:nvSpPr>
         <p:spPr>
           <a:xfrm>
-            <a:off x="1423375" y="4775225"/>
-            <a:ext cx="1146000" cy="310800"/>
+            <a:off x="1726626" y="4560125"/>
+            <a:ext cx="1193700" cy="318600"/>
           </a:xfrm>
           <a:prstGeom prst="rect">
             <a:avLst/>
@@ -5941,17 +5494,17 @@
       </p:sp>
       <p:cxnSp>
         <p:nvCxnSpPr>
-          <p:cNvPr id="72" name="Google Shape;72;p12"/>
+          <p:cNvPr id="63" name="Google Shape;63;p12"/>
           <p:cNvCxnSpPr>
-            <a:stCxn id="57" idx="2"/>
-            <a:endCxn id="58" idx="1"/>
+            <a:stCxn id="53" idx="2"/>
+            <a:endCxn id="54" idx="0"/>
           </p:cNvCxnSpPr>
           <p:nvPr/>
         </p:nvCxnSpPr>
         <p:spPr>
           <a:xfrm flipH="1" rot="-5400000">
-            <a:off x="3618175" y="2742600"/>
-            <a:ext cx="724500" cy="1446600"/>
+            <a:off x="3792169" y="2091384"/>
+            <a:ext cx="1472100" cy="1406100"/>
           </a:xfrm>
           <a:prstGeom prst="bentConnector2">
             <a:avLst/>
@@ -5968,21 +5521,88 @@
           </a:ln>
         </p:spPr>
       </p:cxnSp>
+      <p:sp>
+        <p:nvSpPr>
+          <p:cNvPr id="64" name="Google Shape;64;p12"/>
+          <p:cNvSpPr txBox="1"/>
+          <p:nvPr/>
+        </p:nvSpPr>
+        <p:spPr>
+          <a:xfrm>
+            <a:off x="3860675" y="3220775"/>
+            <a:ext cx="1406100" cy="490500"/>
+          </a:xfrm>
+          <a:prstGeom prst="rect">
+            <a:avLst/>
+          </a:prstGeom>
+          <a:noFill/>
+          <a:ln>
+            <a:noFill/>
+          </a:ln>
+        </p:spPr>
+        <p:txBody>
+          <a:bodyPr anchorCtr="0" anchor="t" bIns="91425" lIns="91425" spcFirstLastPara="1" rIns="91425" wrap="square" tIns="91425">
+            <a:noAutofit/>
+          </a:bodyPr>
+          <a:lstStyle/>
+          <a:p>
+            <a:pPr indent="0" lvl="0" marL="0" rtl="0" algn="l">
+              <a:spcBef>
+                <a:spcPts val="0"/>
+              </a:spcBef>
+              <a:spcAft>
+                <a:spcPts val="0"/>
+              </a:spcAft>
+              <a:buNone/>
+            </a:pPr>
+            <a:r>
+              <a:rPr lang="en-GB" sz="1100"/>
+              <a:t>create_labelled.py</a:t>
+            </a:r>
+            <a:endParaRPr sz="1100"/>
+          </a:p>
+        </p:txBody>
+      </p:sp>
       <p:cxnSp>
         <p:nvCxnSpPr>
-          <p:cNvPr id="73" name="Google Shape;73;p12"/>
+          <p:cNvPr id="65" name="Google Shape;65;p12"/>
+          <p:cNvCxnSpPr/>
+          <p:nvPr/>
+        </p:nvCxnSpPr>
+        <p:spPr>
+          <a:xfrm>
+            <a:off x="1669318" y="1584795"/>
+            <a:ext cx="1420800" cy="0"/>
+          </a:xfrm>
+          <a:prstGeom prst="straightConnector1">
+            <a:avLst/>
+          </a:prstGeom>
+          <a:noFill/>
+          <a:ln cap="flat" cmpd="sng" w="9525">
+            <a:solidFill>
+              <a:schemeClr val="dk2"/>
+            </a:solidFill>
+            <a:prstDash val="solid"/>
+            <a:round/>
+            <a:headEnd len="med" w="med" type="none"/>
+            <a:tailEnd len="med" w="med" type="triangle"/>
+          </a:ln>
+        </p:spPr>
+      </p:cxnSp>
+      <p:cxnSp>
+        <p:nvCxnSpPr>
+          <p:cNvPr id="66" name="Google Shape;66;p12"/>
           <p:cNvCxnSpPr>
-            <a:stCxn id="64" idx="0"/>
-            <a:endCxn id="58" idx="1"/>
+            <a:stCxn id="57" idx="0"/>
           </p:cNvCxnSpPr>
           <p:nvPr/>
         </p:nvCxnSpPr>
         <p:spPr>
-          <a:xfrm rot="-5400000">
-            <a:off x="3538975" y="3546125"/>
-            <a:ext cx="882900" cy="1446600"/>
+          <a:xfrm flipH="1" rot="10800000">
+            <a:off x="3825183" y="3519228"/>
+            <a:ext cx="3000" cy="921900"/>
           </a:xfrm>
-          <a:prstGeom prst="bentConnector2">
+          <a:prstGeom prst="straightConnector1">
             <a:avLst/>
           </a:prstGeom>
           <a:noFill/>
@@ -5999,14 +5619,14 @@
       </p:cxnSp>
       <p:sp>
         <p:nvSpPr>
-          <p:cNvPr id="74" name="Google Shape;74;p12"/>
+          <p:cNvPr id="67" name="Google Shape;67;p12"/>
           <p:cNvSpPr txBox="1"/>
           <p:nvPr/>
         </p:nvSpPr>
         <p:spPr>
           <a:xfrm>
-            <a:off x="3257125" y="3384650"/>
-            <a:ext cx="1446600" cy="478500"/>
+            <a:off x="6526500" y="3217600"/>
+            <a:ext cx="970500" cy="318600"/>
           </a:xfrm>
           <a:prstGeom prst="rect">
             <a:avLst/>
@@ -6032,20 +5652,12 @@
               <a:buNone/>
             </a:pPr>
             <a:r>
-              <a:rPr lang="en-GB" sz="1100">
-                <a:solidFill>
-                  <a:srgbClr val="0000FF"/>
-                </a:solidFill>
-              </a:rPr>
-              <a:t>pd.merge</a:t>
+              <a:rPr lang="en-GB" sz="1100"/>
+              <a:t>dataprep</a:t>
             </a:r>
             <a:r>
               <a:rPr lang="en-GB" sz="1100"/>
-              <a:t> in </a:t>
-            </a:r>
-            <a:r>
-              <a:rPr lang="en-GB" sz="1100"/>
-              <a:t>create_labelled.py</a:t>
+              <a:t>.py</a:t>
             </a:r>
             <a:endParaRPr sz="1100"/>
           </a:p>
@@ -6053,17 +5665,16 @@
       </p:sp>
       <p:cxnSp>
         <p:nvCxnSpPr>
-          <p:cNvPr id="75" name="Google Shape;75;p12"/>
+          <p:cNvPr id="68" name="Google Shape;68;p12"/>
           <p:cNvCxnSpPr>
-            <a:stCxn id="58" idx="3"/>
-            <a:endCxn id="62" idx="1"/>
+            <a:endCxn id="69" idx="1"/>
           </p:cNvCxnSpPr>
           <p:nvPr/>
         </p:nvCxnSpPr>
         <p:spPr>
-          <a:xfrm flipH="1" rot="10800000">
-            <a:off x="5040450" y="3820800"/>
-            <a:ext cx="2265000" cy="7200"/>
+          <a:xfrm>
+            <a:off x="6524475" y="3524350"/>
+            <a:ext cx="1009500" cy="6000"/>
           </a:xfrm>
           <a:prstGeom prst="straightConnector1">
             <a:avLst/>
@@ -6082,30 +5693,38 @@
       </p:cxnSp>
       <p:sp>
         <p:nvSpPr>
-          <p:cNvPr id="76" name="Google Shape;76;p12"/>
-          <p:cNvSpPr txBox="1"/>
+          <p:cNvPr id="70" name="Google Shape;70;p12"/>
+          <p:cNvSpPr/>
           <p:nvPr/>
         </p:nvSpPr>
         <p:spPr>
           <a:xfrm>
-            <a:off x="7338925" y="4293825"/>
-            <a:ext cx="1161600" cy="724200"/>
+            <a:off x="7533975" y="2794600"/>
+            <a:ext cx="1470000" cy="490500"/>
           </a:xfrm>
           <a:prstGeom prst="rect">
             <a:avLst/>
           </a:prstGeom>
-          <a:noFill/>
-          <a:ln>
-            <a:noFill/>
+          <a:solidFill>
+            <a:srgbClr val="2E89CA"/>
+          </a:solidFill>
+          <a:ln cap="flat" cmpd="sng" w="9525">
+            <a:solidFill>
+              <a:srgbClr val="FFFFFF"/>
+            </a:solidFill>
+            <a:prstDash val="solid"/>
+            <a:round/>
+            <a:headEnd len="sm" w="sm" type="none"/>
+            <a:tailEnd len="sm" w="sm" type="none"/>
           </a:ln>
         </p:spPr>
         <p:txBody>
-          <a:bodyPr anchorCtr="0" anchor="t" bIns="91425" lIns="91425" spcFirstLastPara="1" rIns="91425" wrap="square" tIns="91425">
+          <a:bodyPr anchorCtr="0" anchor="ctr" bIns="91425" lIns="91425" spcFirstLastPara="1" rIns="91425" wrap="square" tIns="91425">
             <a:noAutofit/>
           </a:bodyPr>
           <a:lstStyle/>
           <a:p>
-            <a:pPr indent="0" lvl="0" marL="0" rtl="0" algn="l">
+            <a:pPr indent="0" lvl="0" marL="0" rtl="0" algn="ctr">
               <a:spcBef>
                 <a:spcPts val="0"/>
               </a:spcBef>
@@ -6115,86 +5734,55 @@
               <a:buNone/>
             </a:pPr>
             <a:r>
-              <a:rPr lang="en-GB" sz="1200"/>
-              <a:t>WORLD/</a:t>
+              <a:rPr lang="en-GB">
+                <a:solidFill>
+                  <a:schemeClr val="lt1"/>
+                </a:solidFill>
+              </a:rPr>
+              <a:t>train_arrays.npz</a:t>
             </a:r>
-            <a:endParaRPr sz="1200"/>
-          </a:p>
-          <a:p>
-            <a:pPr indent="0" lvl="0" marL="0" rtl="0" algn="l">
-              <a:spcBef>
-                <a:spcPts val="0"/>
-              </a:spcBef>
-              <a:spcAft>
-                <a:spcPts val="0"/>
-              </a:spcAft>
-              <a:buNone/>
-            </a:pPr>
-            <a:r>
-              <a:rPr lang="en-GB" sz="1200"/>
-              <a:t>CORPORATE TAXONS</a:t>
-            </a:r>
-            <a:endParaRPr sz="1200"/>
+            <a:endParaRPr i="1" sz="1000">
+              <a:solidFill>
+                <a:schemeClr val="lt1"/>
+              </a:solidFill>
+            </a:endParaRPr>
           </a:p>
         </p:txBody>
       </p:sp>
-      <p:cxnSp>
-        <p:nvCxnSpPr>
-          <p:cNvPr id="77" name="Google Shape;77;p12"/>
-          <p:cNvCxnSpPr>
-            <a:stCxn id="76" idx="1"/>
-            <a:endCxn id="58" idx="3"/>
-          </p:cNvCxnSpPr>
-          <p:nvPr/>
-        </p:nvCxnSpPr>
-        <p:spPr>
-          <a:xfrm rot="10800000">
-            <a:off x="5040325" y="3827925"/>
-            <a:ext cx="2298600" cy="828000"/>
-          </a:xfrm>
-          <a:prstGeom prst="bentConnector3">
-            <a:avLst>
-              <a:gd fmla="val 49997" name="adj1"/>
-            </a:avLst>
-          </a:prstGeom>
-          <a:noFill/>
-          <a:ln cap="flat" cmpd="sng" w="9525">
-            <a:solidFill>
-              <a:schemeClr val="dk2"/>
-            </a:solidFill>
-            <a:prstDash val="solid"/>
-            <a:round/>
-            <a:headEnd len="med" w="med" type="triangle"/>
-            <a:tailEnd len="med" w="med" type="none"/>
-          </a:ln>
-        </p:spPr>
-      </p:cxnSp>
       <p:sp>
         <p:nvSpPr>
-          <p:cNvPr id="78" name="Google Shape;78;p12"/>
-          <p:cNvSpPr txBox="1"/>
+          <p:cNvPr id="69" name="Google Shape;69;p12"/>
+          <p:cNvSpPr/>
           <p:nvPr/>
         </p:nvSpPr>
         <p:spPr>
           <a:xfrm>
-            <a:off x="5858900" y="3551550"/>
-            <a:ext cx="1446600" cy="310800"/>
+            <a:off x="7533975" y="3285100"/>
+            <a:ext cx="1470000" cy="490500"/>
           </a:xfrm>
           <a:prstGeom prst="rect">
             <a:avLst/>
           </a:prstGeom>
-          <a:noFill/>
-          <a:ln>
-            <a:noFill/>
+          <a:solidFill>
+            <a:srgbClr val="2E89CA"/>
+          </a:solidFill>
+          <a:ln cap="flat" cmpd="sng" w="9525">
+            <a:solidFill>
+              <a:srgbClr val="FFFFFF"/>
+            </a:solidFill>
+            <a:prstDash val="solid"/>
+            <a:round/>
+            <a:headEnd len="sm" w="sm" type="none"/>
+            <a:tailEnd len="sm" w="sm" type="none"/>
           </a:ln>
         </p:spPr>
         <p:txBody>
-          <a:bodyPr anchorCtr="0" anchor="t" bIns="91425" lIns="91425" spcFirstLastPara="1" rIns="91425" wrap="square" tIns="91425">
+          <a:bodyPr anchorCtr="0" anchor="ctr" bIns="91425" lIns="91425" spcFirstLastPara="1" rIns="91425" wrap="square" tIns="91425">
             <a:noAutofit/>
           </a:bodyPr>
           <a:lstStyle/>
           <a:p>
-            <a:pPr indent="0" lvl="0" marL="0" rtl="0" algn="l">
+            <a:pPr indent="0" lvl="0" marL="0" rtl="0" algn="ctr">
               <a:spcBef>
                 <a:spcPts val="0"/>
               </a:spcBef>
@@ -6204,99 +5792,63 @@
               <a:buNone/>
             </a:pPr>
             <a:r>
-              <a:rPr lang="en-GB" sz="1100"/>
-              <a:t>create_labelled.py</a:t>
+              <a:rPr lang="en-GB">
+                <a:solidFill>
+                  <a:schemeClr val="lt1"/>
+                </a:solidFill>
+              </a:rPr>
+              <a:t>dev</a:t>
             </a:r>
-            <a:endParaRPr sz="1100"/>
+            <a:r>
+              <a:rPr lang="en-GB">
+                <a:solidFill>
+                  <a:schemeClr val="lt1"/>
+                </a:solidFill>
+              </a:rPr>
+              <a:t>_arrays.npz</a:t>
+            </a:r>
+            <a:endParaRPr i="1" sz="1000">
+              <a:solidFill>
+                <a:schemeClr val="lt1"/>
+              </a:solidFill>
+            </a:endParaRPr>
           </a:p>
         </p:txBody>
       </p:sp>
-      <p:cxnSp>
-        <p:nvCxnSpPr>
-          <p:cNvPr id="79" name="Google Shape;79;p12"/>
-          <p:cNvCxnSpPr>
-            <a:stCxn id="60" idx="0"/>
-            <a:endCxn id="61" idx="1"/>
-          </p:cNvCxnSpPr>
-          <p:nvPr/>
-        </p:nvCxnSpPr>
-        <p:spPr>
-          <a:xfrm rot="-5400000">
-            <a:off x="6011000" y="1058850"/>
-            <a:ext cx="588600" cy="2000400"/>
-          </a:xfrm>
-          <a:prstGeom prst="bentConnector2">
-            <a:avLst/>
-          </a:prstGeom>
-          <a:noFill/>
-          <a:ln cap="flat" cmpd="sng" w="9525">
-            <a:solidFill>
-              <a:schemeClr val="dk2"/>
-            </a:solidFill>
-            <a:prstDash val="solid"/>
-            <a:round/>
-            <a:headEnd len="med" w="med" type="none"/>
-            <a:tailEnd len="med" w="med" type="triangle"/>
-          </a:ln>
-        </p:spPr>
-      </p:cxnSp>
-      <p:cxnSp>
-        <p:nvCxnSpPr>
-          <p:cNvPr id="80" name="Google Shape;80;p12"/>
-          <p:cNvCxnSpPr>
-            <a:stCxn id="63" idx="3"/>
-            <a:endCxn id="61" idx="1"/>
-          </p:cNvCxnSpPr>
-          <p:nvPr/>
-        </p:nvCxnSpPr>
-        <p:spPr>
-          <a:xfrm>
-            <a:off x="3937075" y="1085300"/>
-            <a:ext cx="3368400" cy="679200"/>
-          </a:xfrm>
-          <a:prstGeom prst="bentConnector3">
-            <a:avLst>
-              <a:gd fmla="val 40460" name="adj1"/>
-            </a:avLst>
-          </a:prstGeom>
-          <a:noFill/>
-          <a:ln cap="flat" cmpd="sng" w="9525">
-            <a:solidFill>
-              <a:schemeClr val="dk2"/>
-            </a:solidFill>
-            <a:prstDash val="solid"/>
-            <a:round/>
-            <a:headEnd len="med" w="med" type="none"/>
-            <a:tailEnd len="med" w="med" type="none"/>
-          </a:ln>
-        </p:spPr>
-      </p:cxnSp>
       <p:sp>
         <p:nvSpPr>
-          <p:cNvPr id="81" name="Google Shape;81;p12"/>
-          <p:cNvSpPr txBox="1"/>
+          <p:cNvPr id="71" name="Google Shape;71;p12"/>
+          <p:cNvSpPr/>
           <p:nvPr/>
         </p:nvSpPr>
         <p:spPr>
           <a:xfrm>
-            <a:off x="5520550" y="1436250"/>
-            <a:ext cx="1446600" cy="310800"/>
+            <a:off x="7533975" y="3775600"/>
+            <a:ext cx="1470000" cy="490500"/>
           </a:xfrm>
           <a:prstGeom prst="rect">
             <a:avLst/>
           </a:prstGeom>
-          <a:noFill/>
-          <a:ln>
-            <a:noFill/>
+          <a:solidFill>
+            <a:srgbClr val="2E89CA"/>
+          </a:solidFill>
+          <a:ln cap="flat" cmpd="sng" w="9525">
+            <a:solidFill>
+              <a:srgbClr val="FFFFFF"/>
+            </a:solidFill>
+            <a:prstDash val="solid"/>
+            <a:round/>
+            <a:headEnd len="sm" w="sm" type="none"/>
+            <a:tailEnd len="sm" w="sm" type="none"/>
           </a:ln>
         </p:spPr>
         <p:txBody>
-          <a:bodyPr anchorCtr="0" anchor="t" bIns="91425" lIns="91425" spcFirstLastPara="1" rIns="91425" wrap="square" tIns="91425">
+          <a:bodyPr anchorCtr="0" anchor="ctr" bIns="91425" lIns="91425" spcFirstLastPara="1" rIns="91425" wrap="square" tIns="91425">
             <a:noAutofit/>
           </a:bodyPr>
           <a:lstStyle/>
           <a:p>
-            <a:pPr indent="0" lvl="0" marL="0" rtl="0" algn="l">
+            <a:pPr indent="0" lvl="0" marL="0" rtl="0" algn="ctr">
               <a:spcBef>
                 <a:spcPts val="0"/>
               </a:spcBef>
@@ -6306,10 +5858,18 @@
               <a:buNone/>
             </a:pPr>
             <a:r>
-              <a:rPr lang="en-GB" sz="1100"/>
-              <a:t>create_new.py</a:t>
+              <a:rPr lang="en-GB">
+                <a:solidFill>
+                  <a:schemeClr val="lt1"/>
+                </a:solidFill>
+              </a:rPr>
+              <a:t>test_arrays.npz</a:t>
             </a:r>
-            <a:endParaRPr sz="1100"/>
+            <a:endParaRPr i="1" sz="1000">
+              <a:solidFill>
+                <a:schemeClr val="lt1"/>
+              </a:solidFill>
+            </a:endParaRPr>
           </a:p>
         </p:txBody>
       </p:sp>
@@ -6322,6 +5882,285 @@
 </file>
 
 <file path=ppt/theme/theme1.xml><?xml version="1.0" encoding="utf-8"?>
+<a:theme xmlns:a="http://schemas.openxmlformats.org/drawingml/2006/main" xmlns:r="http://schemas.openxmlformats.org/officeDocument/2006/relationships">
+  <a:themeElements>
+    <a:clrScheme name="Default">
+      <a:dk1>
+        <a:srgbClr val="000000"/>
+      </a:dk1>
+      <a:lt1>
+        <a:srgbClr val="FFFFFF"/>
+      </a:lt1>
+      <a:dk2>
+        <a:srgbClr val="158158"/>
+      </a:dk2>
+      <a:lt2>
+        <a:srgbClr val="F3F3F3"/>
+      </a:lt2>
+      <a:accent1>
+        <a:srgbClr val="058DC7"/>
+      </a:accent1>
+      <a:accent2>
+        <a:srgbClr val="50B432"/>
+      </a:accent2>
+      <a:accent3>
+        <a:srgbClr val="ED561B"/>
+      </a:accent3>
+      <a:accent4>
+        <a:srgbClr val="EDEF00"/>
+      </a:accent4>
+      <a:accent5>
+        <a:srgbClr val="24CBE5"/>
+      </a:accent5>
+      <a:accent6>
+        <a:srgbClr val="64E572"/>
+      </a:accent6>
+      <a:hlink>
+        <a:srgbClr val="2200CC"/>
+      </a:hlink>
+      <a:folHlink>
+        <a:srgbClr val="551A8B"/>
+      </a:folHlink>
+    </a:clrScheme>
+    <a:fontScheme name="Office">
+      <a:majorFont>
+        <a:latin typeface="Arial"/>
+        <a:ea typeface=""/>
+        <a:cs typeface=""/>
+        <a:font script="Jpan" typeface="ＭＳ Ｐゴシック"/>
+        <a:font script="Hang" typeface="맑은 고딕"/>
+        <a:font script="Hans" typeface="宋体"/>
+        <a:font script="Hant" typeface="新細明體"/>
+        <a:font script="Arab" typeface="Times New Roman"/>
+        <a:font script="Hebr" typeface="Times New Roman"/>
+        <a:font script="Thai" typeface="Angsana New"/>
+        <a:font script="Ethi" typeface="Nyala"/>
+        <a:font script="Beng" typeface="Vrinda"/>
+        <a:font script="Gujr" typeface="Shruti"/>
+        <a:font script="Khmr" typeface="MoolBoran"/>
+        <a:font script="Knda" typeface="Tunga"/>
+        <a:font script="Guru" typeface="Raavi"/>
+        <a:font script="Cans" typeface="Euphemia"/>
+        <a:font script="Cher" typeface="Plantagenet Cherokee"/>
+        <a:font script="Yiii" typeface="Microsoft Yi Baiti"/>
+        <a:font script="Tibt" typeface="Microsoft Himalaya"/>
+        <a:font script="Thaa" typeface="MV Boli"/>
+        <a:font script="Deva" typeface="Mangal"/>
+        <a:font script="Telu" typeface="Gautami"/>
+        <a:font script="Taml" typeface="Latha"/>
+        <a:font script="Syrc" typeface="Estrangelo Edessa"/>
+        <a:font script="Orya" typeface="Kalinga"/>
+        <a:font script="Mlym" typeface="Kartika"/>
+        <a:font script="Laoo" typeface="DokChampa"/>
+        <a:font script="Sinh" typeface="Iskoola Pota"/>
+        <a:font script="Mong" typeface="Mongolian Baiti"/>
+        <a:font script="Viet" typeface="Times New Roman"/>
+        <a:font script="Uigh" typeface="Microsoft Uighur"/>
+        <a:font script="Geor" typeface="Sylfaen"/>
+      </a:majorFont>
+      <a:minorFont>
+        <a:latin typeface="Arial"/>
+        <a:ea typeface=""/>
+        <a:cs typeface=""/>
+        <a:font script="Jpan" typeface="ＭＳ Ｐゴシック"/>
+        <a:font script="Hang" typeface="맑은 고딕"/>
+        <a:font script="Hans" typeface="宋体"/>
+        <a:font script="Hant" typeface="新細明體"/>
+        <a:font script="Arab" typeface="Arial"/>
+        <a:font script="Hebr" typeface="Arial"/>
+        <a:font script="Thai" typeface="Cordia New"/>
+        <a:font script="Ethi" typeface="Nyala"/>
+        <a:font script="Beng" typeface="Vrinda"/>
+        <a:font script="Gujr" typeface="Shruti"/>
+        <a:font script="Khmr" typeface="DaunPenh"/>
+        <a:font script="Knda" typeface="Tunga"/>
+        <a:font script="Guru" typeface="Raavi"/>
+        <a:font script="Cans" typeface="Euphemia"/>
+        <a:font script="Cher" typeface="Plantagenet Cherokee"/>
+        <a:font script="Yiii" typeface="Microsoft Yi Baiti"/>
+        <a:font script="Tibt" typeface="Microsoft Himalaya"/>
+        <a:font script="Thaa" typeface="MV Boli"/>
+        <a:font script="Deva" typeface="Mangal"/>
+        <a:font script="Telu" typeface="Gautami"/>
+        <a:font script="Taml" typeface="Latha"/>
+        <a:font script="Syrc" typeface="Estrangelo Edessa"/>
+        <a:font script="Orya" typeface="Kalinga"/>
+        <a:font script="Mlym" typeface="Kartika"/>
+        <a:font script="Laoo" typeface="DokChampa"/>
+        <a:font script="Sinh" typeface="Iskoola Pota"/>
+        <a:font script="Mong" typeface="Mongolian Baiti"/>
+        <a:font script="Viet" typeface="Arial"/>
+        <a:font script="Uigh" typeface="Microsoft Uighur"/>
+        <a:font script="Geor" typeface="Sylfaen"/>
+      </a:minorFont>
+    </a:fontScheme>
+    <a:fmtScheme name="Office">
+      <a:fillStyleLst>
+        <a:solidFill>
+          <a:schemeClr val="phClr"/>
+        </a:solidFill>
+        <a:gradFill rotWithShape="1">
+          <a:gsLst>
+            <a:gs pos="0">
+              <a:schemeClr val="phClr">
+                <a:tint val="50000"/>
+                <a:satMod val="300000"/>
+              </a:schemeClr>
+            </a:gs>
+            <a:gs pos="35000">
+              <a:schemeClr val="phClr">
+                <a:tint val="37000"/>
+                <a:satMod val="300000"/>
+              </a:schemeClr>
+            </a:gs>
+            <a:gs pos="100000">
+              <a:schemeClr val="phClr">
+                <a:tint val="15000"/>
+                <a:satMod val="350000"/>
+              </a:schemeClr>
+            </a:gs>
+          </a:gsLst>
+          <a:lin ang="16200000" scaled="1"/>
+        </a:gradFill>
+        <a:gradFill rotWithShape="1">
+          <a:gsLst>
+            <a:gs pos="0">
+              <a:schemeClr val="phClr">
+                <a:tint val="100000"/>
+                <a:shade val="100000"/>
+                <a:satMod val="130000"/>
+              </a:schemeClr>
+            </a:gs>
+            <a:gs pos="100000">
+              <a:schemeClr val="phClr">
+                <a:tint val="50000"/>
+                <a:shade val="100000"/>
+                <a:satMod val="350000"/>
+              </a:schemeClr>
+            </a:gs>
+          </a:gsLst>
+          <a:lin ang="16200000" scaled="0"/>
+        </a:gradFill>
+      </a:fillStyleLst>
+      <a:lnStyleLst>
+        <a:ln w="9525" cap="flat" cmpd="sng" algn="ctr">
+          <a:solidFill>
+            <a:schemeClr val="phClr">
+              <a:shade val="95000"/>
+              <a:satMod val="105000"/>
+            </a:schemeClr>
+          </a:solidFill>
+          <a:prstDash val="solid"/>
+        </a:ln>
+        <a:ln w="25400" cap="flat" cmpd="sng" algn="ctr">
+          <a:solidFill>
+            <a:schemeClr val="phClr"/>
+          </a:solidFill>
+          <a:prstDash val="solid"/>
+        </a:ln>
+        <a:ln w="38100" cap="flat" cmpd="sng" algn="ctr">
+          <a:solidFill>
+            <a:schemeClr val="phClr"/>
+          </a:solidFill>
+          <a:prstDash val="solid"/>
+        </a:ln>
+      </a:lnStyleLst>
+      <a:effectStyleLst>
+        <a:effectStyle>
+          <a:effectLst>
+            <a:outerShdw blurRad="40000" dist="20000" dir="5400000" rotWithShape="0">
+              <a:srgbClr val="000000">
+                <a:alpha val="38000"/>
+              </a:srgbClr>
+            </a:outerShdw>
+          </a:effectLst>
+        </a:effectStyle>
+        <a:effectStyle>
+          <a:effectLst>
+            <a:outerShdw blurRad="40000" dist="23000" dir="5400000" rotWithShape="0">
+              <a:srgbClr val="000000">
+                <a:alpha val="35000"/>
+              </a:srgbClr>
+            </a:outerShdw>
+          </a:effectLst>
+        </a:effectStyle>
+        <a:effectStyle>
+          <a:effectLst>
+            <a:outerShdw blurRad="40000" dist="23000" dir="5400000" rotWithShape="0">
+              <a:srgbClr val="000000">
+                <a:alpha val="35000"/>
+              </a:srgbClr>
+            </a:outerShdw>
+          </a:effectLst>
+          <a:scene3d>
+            <a:camera prst="orthographicFront">
+              <a:rot lat="0" lon="0" rev="0"/>
+            </a:camera>
+            <a:lightRig rig="threePt" dir="t">
+              <a:rot lat="0" lon="0" rev="1200000"/>
+            </a:lightRig>
+          </a:scene3d>
+          <a:sp3d>
+            <a:bevelT w="63500" h="25400"/>
+          </a:sp3d>
+        </a:effectStyle>
+      </a:effectStyleLst>
+      <a:bgFillStyleLst>
+        <a:solidFill>
+          <a:schemeClr val="phClr"/>
+        </a:solidFill>
+        <a:gradFill rotWithShape="1">
+          <a:gsLst>
+            <a:gs pos="0">
+              <a:schemeClr val="phClr">
+                <a:tint val="40000"/>
+                <a:satMod val="350000"/>
+              </a:schemeClr>
+            </a:gs>
+            <a:gs pos="40000">
+              <a:schemeClr val="phClr">
+                <a:tint val="45000"/>
+                <a:shade val="99000"/>
+                <a:satMod val="350000"/>
+              </a:schemeClr>
+            </a:gs>
+            <a:gs pos="100000">
+              <a:schemeClr val="phClr">
+                <a:shade val="20000"/>
+                <a:satMod val="255000"/>
+              </a:schemeClr>
+            </a:gs>
+          </a:gsLst>
+          <a:path path="circle">
+            <a:fillToRect l="50000" t="-80000" r="50000" b="180000"/>
+          </a:path>
+        </a:gradFill>
+        <a:gradFill rotWithShape="1">
+          <a:gsLst>
+            <a:gs pos="0">
+              <a:schemeClr val="phClr">
+                <a:tint val="80000"/>
+                <a:satMod val="300000"/>
+              </a:schemeClr>
+            </a:gs>
+            <a:gs pos="100000">
+              <a:schemeClr val="phClr">
+                <a:shade val="30000"/>
+                <a:satMod val="200000"/>
+              </a:schemeClr>
+            </a:gs>
+          </a:gsLst>
+          <a:path path="circle">
+            <a:fillToRect l="50000" t="50000" r="50000" b="50000"/>
+          </a:path>
+        </a:gradFill>
+      </a:bgFillStyleLst>
+    </a:fmtScheme>
+  </a:themeElements>
+</a:theme>
+</file>
+
+<file path=ppt/theme/theme2.xml><?xml version="1.0" encoding="utf-8"?>
 <a:theme xmlns:a="http://schemas.openxmlformats.org/drawingml/2006/main" xmlns:r="http://schemas.openxmlformats.org/officeDocument/2006/relationships" name="GDS Presentation Template 16:9">
   <a:themeElements>
     <a:clrScheme name="White">
@@ -6600,7 +6439,7 @@
 </a:theme>
 </file>
 
-<file path=ppt/theme/theme2.xml><?xml version="1.0" encoding="utf-8"?>
+<file path=ppt/theme/theme3.xml><?xml version="1.0" encoding="utf-8"?>
 <a:theme xmlns:a="http://schemas.openxmlformats.org/drawingml/2006/main" xmlns:r="http://schemas.openxmlformats.org/officeDocument/2006/relationships" name="White">
   <a:themeElements>
     <a:clrScheme name="White">
@@ -6877,283 +6716,4 @@
     </a:fmtScheme>
   </a:themeElements>
 </a:theme>
-</file>
-
-<file path=ppt/theme/theme3.xml><?xml version="1.0" encoding="utf-8"?>
-<a:theme xmlns:a="http://schemas.openxmlformats.org/drawingml/2006/main" xmlns:r="http://schemas.openxmlformats.org/officeDocument/2006/relationships">
-  <a:themeElements>
-    <a:clrScheme name="Default">
-      <a:dk1>
-        <a:srgbClr val="000000"/>
-      </a:dk1>
-      <a:lt1>
-        <a:srgbClr val="FFFFFF"/>
-      </a:lt1>
-      <a:dk2>
-        <a:srgbClr val="158158"/>
-      </a:dk2>
-      <a:lt2>
-        <a:srgbClr val="F3F3F3"/>
-      </a:lt2>
-      <a:accent1>
-        <a:srgbClr val="058DC7"/>
-      </a:accent1>
-      <a:accent2>
-        <a:srgbClr val="50B432"/>
-      </a:accent2>
-      <a:accent3>
-        <a:srgbClr val="ED561B"/>
-      </a:accent3>
-      <a:accent4>
-        <a:srgbClr val="EDEF00"/>
-      </a:accent4>
-      <a:accent5>
-        <a:srgbClr val="24CBE5"/>
-      </a:accent5>
-      <a:accent6>
-        <a:srgbClr val="64E572"/>
-      </a:accent6>
-      <a:hlink>
-        <a:srgbClr val="2200CC"/>
-      </a:hlink>
-      <a:folHlink>
-        <a:srgbClr val="551A8B"/>
-      </a:folHlink>
-    </a:clrScheme>
-    <a:fontScheme name="Office">
-      <a:majorFont>
-        <a:latin typeface="Arial"/>
-        <a:ea typeface=""/>
-        <a:cs typeface=""/>
-        <a:font script="Jpan" typeface="ＭＳ Ｐゴシック"/>
-        <a:font script="Hang" typeface="맑은 고딕"/>
-        <a:font script="Hans" typeface="宋体"/>
-        <a:font script="Hant" typeface="新細明體"/>
-        <a:font script="Arab" typeface="Times New Roman"/>
-        <a:font script="Hebr" typeface="Times New Roman"/>
-        <a:font script="Thai" typeface="Angsana New"/>
-        <a:font script="Ethi" typeface="Nyala"/>
-        <a:font script="Beng" typeface="Vrinda"/>
-        <a:font script="Gujr" typeface="Shruti"/>
-        <a:font script="Khmr" typeface="MoolBoran"/>
-        <a:font script="Knda" typeface="Tunga"/>
-        <a:font script="Guru" typeface="Raavi"/>
-        <a:font script="Cans" typeface="Euphemia"/>
-        <a:font script="Cher" typeface="Plantagenet Cherokee"/>
-        <a:font script="Yiii" typeface="Microsoft Yi Baiti"/>
-        <a:font script="Tibt" typeface="Microsoft Himalaya"/>
-        <a:font script="Thaa" typeface="MV Boli"/>
-        <a:font script="Deva" typeface="Mangal"/>
-        <a:font script="Telu" typeface="Gautami"/>
-        <a:font script="Taml" typeface="Latha"/>
-        <a:font script="Syrc" typeface="Estrangelo Edessa"/>
-        <a:font script="Orya" typeface="Kalinga"/>
-        <a:font script="Mlym" typeface="Kartika"/>
-        <a:font script="Laoo" typeface="DokChampa"/>
-        <a:font script="Sinh" typeface="Iskoola Pota"/>
-        <a:font script="Mong" typeface="Mongolian Baiti"/>
-        <a:font script="Viet" typeface="Times New Roman"/>
-        <a:font script="Uigh" typeface="Microsoft Uighur"/>
-        <a:font script="Geor" typeface="Sylfaen"/>
-      </a:majorFont>
-      <a:minorFont>
-        <a:latin typeface="Arial"/>
-        <a:ea typeface=""/>
-        <a:cs typeface=""/>
-        <a:font script="Jpan" typeface="ＭＳ Ｐゴシック"/>
-        <a:font script="Hang" typeface="맑은 고딕"/>
-        <a:font script="Hans" typeface="宋体"/>
-        <a:font script="Hant" typeface="新細明體"/>
-        <a:font script="Arab" typeface="Arial"/>
-        <a:font script="Hebr" typeface="Arial"/>
-        <a:font script="Thai" typeface="Cordia New"/>
-        <a:font script="Ethi" typeface="Nyala"/>
-        <a:font script="Beng" typeface="Vrinda"/>
-        <a:font script="Gujr" typeface="Shruti"/>
-        <a:font script="Khmr" typeface="DaunPenh"/>
-        <a:font script="Knda" typeface="Tunga"/>
-        <a:font script="Guru" typeface="Raavi"/>
-        <a:font script="Cans" typeface="Euphemia"/>
-        <a:font script="Cher" typeface="Plantagenet Cherokee"/>
-        <a:font script="Yiii" typeface="Microsoft Yi Baiti"/>
-        <a:font script="Tibt" typeface="Microsoft Himalaya"/>
-        <a:font script="Thaa" typeface="MV Boli"/>
-        <a:font script="Deva" typeface="Mangal"/>
-        <a:font script="Telu" typeface="Gautami"/>
-        <a:font script="Taml" typeface="Latha"/>
-        <a:font script="Syrc" typeface="Estrangelo Edessa"/>
-        <a:font script="Orya" typeface="Kalinga"/>
-        <a:font script="Mlym" typeface="Kartika"/>
-        <a:font script="Laoo" typeface="DokChampa"/>
-        <a:font script="Sinh" typeface="Iskoola Pota"/>
-        <a:font script="Mong" typeface="Mongolian Baiti"/>
-        <a:font script="Viet" typeface="Arial"/>
-        <a:font script="Uigh" typeface="Microsoft Uighur"/>
-        <a:font script="Geor" typeface="Sylfaen"/>
-      </a:minorFont>
-    </a:fontScheme>
-    <a:fmtScheme name="Office">
-      <a:fillStyleLst>
-        <a:solidFill>
-          <a:schemeClr val="phClr"/>
-        </a:solidFill>
-        <a:gradFill rotWithShape="1">
-          <a:gsLst>
-            <a:gs pos="0">
-              <a:schemeClr val="phClr">
-                <a:tint val="50000"/>
-                <a:satMod val="300000"/>
-              </a:schemeClr>
-            </a:gs>
-            <a:gs pos="35000">
-              <a:schemeClr val="phClr">
-                <a:tint val="37000"/>
-                <a:satMod val="300000"/>
-              </a:schemeClr>
-            </a:gs>
-            <a:gs pos="100000">
-              <a:schemeClr val="phClr">
-                <a:tint val="15000"/>
-                <a:satMod val="350000"/>
-              </a:schemeClr>
-            </a:gs>
-          </a:gsLst>
-          <a:lin ang="16200000" scaled="1"/>
-        </a:gradFill>
-        <a:gradFill rotWithShape="1">
-          <a:gsLst>
-            <a:gs pos="0">
-              <a:schemeClr val="phClr">
-                <a:tint val="100000"/>
-                <a:shade val="100000"/>
-                <a:satMod val="130000"/>
-              </a:schemeClr>
-            </a:gs>
-            <a:gs pos="100000">
-              <a:schemeClr val="phClr">
-                <a:tint val="50000"/>
-                <a:shade val="100000"/>
-                <a:satMod val="350000"/>
-              </a:schemeClr>
-            </a:gs>
-          </a:gsLst>
-          <a:lin ang="16200000" scaled="0"/>
-        </a:gradFill>
-      </a:fillStyleLst>
-      <a:lnStyleLst>
-        <a:ln w="9525" cap="flat" cmpd="sng" algn="ctr">
-          <a:solidFill>
-            <a:schemeClr val="phClr">
-              <a:shade val="95000"/>
-              <a:satMod val="105000"/>
-            </a:schemeClr>
-          </a:solidFill>
-          <a:prstDash val="solid"/>
-        </a:ln>
-        <a:ln w="25400" cap="flat" cmpd="sng" algn="ctr">
-          <a:solidFill>
-            <a:schemeClr val="phClr"/>
-          </a:solidFill>
-          <a:prstDash val="solid"/>
-        </a:ln>
-        <a:ln w="38100" cap="flat" cmpd="sng" algn="ctr">
-          <a:solidFill>
-            <a:schemeClr val="phClr"/>
-          </a:solidFill>
-          <a:prstDash val="solid"/>
-        </a:ln>
-      </a:lnStyleLst>
-      <a:effectStyleLst>
-        <a:effectStyle>
-          <a:effectLst>
-            <a:outerShdw blurRad="40000" dist="20000" dir="5400000" rotWithShape="0">
-              <a:srgbClr val="000000">
-                <a:alpha val="38000"/>
-              </a:srgbClr>
-            </a:outerShdw>
-          </a:effectLst>
-        </a:effectStyle>
-        <a:effectStyle>
-          <a:effectLst>
-            <a:outerShdw blurRad="40000" dist="23000" dir="5400000" rotWithShape="0">
-              <a:srgbClr val="000000">
-                <a:alpha val="35000"/>
-              </a:srgbClr>
-            </a:outerShdw>
-          </a:effectLst>
-        </a:effectStyle>
-        <a:effectStyle>
-          <a:effectLst>
-            <a:outerShdw blurRad="40000" dist="23000" dir="5400000" rotWithShape="0">
-              <a:srgbClr val="000000">
-                <a:alpha val="35000"/>
-              </a:srgbClr>
-            </a:outerShdw>
-          </a:effectLst>
-          <a:scene3d>
-            <a:camera prst="orthographicFront">
-              <a:rot lat="0" lon="0" rev="0"/>
-            </a:camera>
-            <a:lightRig rig="threePt" dir="t">
-              <a:rot lat="0" lon="0" rev="1200000"/>
-            </a:lightRig>
-          </a:scene3d>
-          <a:sp3d>
-            <a:bevelT w="63500" h="25400"/>
-          </a:sp3d>
-        </a:effectStyle>
-      </a:effectStyleLst>
-      <a:bgFillStyleLst>
-        <a:solidFill>
-          <a:schemeClr val="phClr"/>
-        </a:solidFill>
-        <a:gradFill rotWithShape="1">
-          <a:gsLst>
-            <a:gs pos="0">
-              <a:schemeClr val="phClr">
-                <a:tint val="40000"/>
-                <a:satMod val="350000"/>
-              </a:schemeClr>
-            </a:gs>
-            <a:gs pos="40000">
-              <a:schemeClr val="phClr">
-                <a:tint val="45000"/>
-                <a:shade val="99000"/>
-                <a:satMod val="350000"/>
-              </a:schemeClr>
-            </a:gs>
-            <a:gs pos="100000">
-              <a:schemeClr val="phClr">
-                <a:shade val="20000"/>
-                <a:satMod val="255000"/>
-              </a:schemeClr>
-            </a:gs>
-          </a:gsLst>
-          <a:path path="circle">
-            <a:fillToRect l="50000" t="-80000" r="50000" b="180000"/>
-          </a:path>
-        </a:gradFill>
-        <a:gradFill rotWithShape="1">
-          <a:gsLst>
-            <a:gs pos="0">
-              <a:schemeClr val="phClr">
-                <a:tint val="80000"/>
-                <a:satMod val="300000"/>
-              </a:schemeClr>
-            </a:gs>
-            <a:gs pos="100000">
-              <a:schemeClr val="phClr">
-                <a:shade val="30000"/>
-                <a:satMod val="200000"/>
-              </a:schemeClr>
-            </a:gs>
-          </a:gsLst>
-          <a:path path="circle">
-            <a:fillToRect l="50000" t="50000" r="50000" b="50000"/>
-          </a:path>
-        </a:gradFill>
-      </a:bgFillStyleLst>
-    </a:fmtScheme>
-  </a:themeElements>
-</a:theme>
 </file>